--- a/HW5.pptx
+++ b/HW5.pptx
@@ -22,7 +22,6 @@
     <p:sldId id="266" r:id="rId17"/>
     <p:sldId id="267" r:id="rId18"/>
     <p:sldId id="268" r:id="rId19"/>
-    <p:sldId id="269" r:id="rId20"/>
   </p:sldIdLst>
   <p:sldSz cy="5143500" cx="9144000"/>
   <p:notesSz cx="6858000" cy="9144000"/>
@@ -876,106 +875,7 @@
       </p:grpSpPr>
       <p:sp>
         <p:nvSpPr>
-          <p:cNvPr id="178" name="Google Shape;178;g2a72086b292_2_0:notes"/>
-          <p:cNvSpPr/>
-          <p:nvPr>
-            <p:ph idx="2" type="sldImg"/>
-          </p:nvPr>
-        </p:nvSpPr>
-        <p:spPr>
-          <a:xfrm>
-            <a:off x="381300" y="685800"/>
-            <a:ext cx="6096000" cy="3429000"/>
-          </a:xfrm>
-          <a:custGeom>
-            <a:rect b="b" l="l" r="r" t="t"/>
-            <a:pathLst>
-              <a:path extrusionOk="0" h="120000" w="120000">
-                <a:moveTo>
-                  <a:pt x="0" y="0"/>
-                </a:moveTo>
-                <a:lnTo>
-                  <a:pt x="120000" y="0"/>
-                </a:lnTo>
-                <a:lnTo>
-                  <a:pt x="120000" y="120000"/>
-                </a:lnTo>
-                <a:lnTo>
-                  <a:pt x="0" y="120000"/>
-                </a:lnTo>
-                <a:close/>
-              </a:path>
-            </a:pathLst>
-          </a:custGeom>
-        </p:spPr>
-      </p:sp>
-      <p:sp>
-        <p:nvSpPr>
-          <p:cNvPr id="179" name="Google Shape;179;g2a72086b292_2_0:notes"/>
-          <p:cNvSpPr txBox="1"/>
-          <p:nvPr>
-            <p:ph idx="1" type="body"/>
-          </p:nvPr>
-        </p:nvSpPr>
-        <p:spPr>
-          <a:xfrm>
-            <a:off x="685800" y="4343400"/>
-            <a:ext cx="5486400" cy="4114800"/>
-          </a:xfrm>
-          <a:prstGeom prst="rect">
-            <a:avLst/>
-          </a:prstGeom>
-        </p:spPr>
-        <p:txBody>
-          <a:bodyPr anchorCtr="0" anchor="t" bIns="91425" lIns="91425" spcFirstLastPara="1" rIns="91425" wrap="square" tIns="91425">
-            <a:noAutofit/>
-          </a:bodyPr>
-          <a:lstStyle/>
-          <a:p>
-            <a:pPr indent="0" lvl="0" marL="0" rtl="0" algn="l">
-              <a:spcBef>
-                <a:spcPts val="0"/>
-              </a:spcBef>
-              <a:spcAft>
-                <a:spcPts val="0"/>
-              </a:spcAft>
-              <a:buNone/>
-            </a:pPr>
-            <a:r>
-              <a:t/>
-            </a:r>
-            <a:endParaRPr/>
-          </a:p>
-        </p:txBody>
-      </p:sp>
-    </p:spTree>
-  </p:cSld>
-  <p:clrMapOvr>
-    <a:masterClrMapping/>
-  </p:clrMapOvr>
-</p:notes>
-</file>
-
-<file path=ppt/notesSlides/notesSlide11.xml><?xml version="1.0" encoding="utf-8"?>
-<p:notes xmlns:a="http://schemas.openxmlformats.org/drawingml/2006/main" xmlns:r="http://schemas.openxmlformats.org/officeDocument/2006/relationships" xmlns:mc="http://schemas.openxmlformats.org/markup-compatibility/2006" xmlns:mv="urn:schemas-microsoft-com:mac:vml" xmlns:p="http://schemas.openxmlformats.org/presentationml/2006/main" xmlns:c="http://schemas.openxmlformats.org/drawingml/2006/chart" xmlns:dgm="http://schemas.openxmlformats.org/drawingml/2006/diagram" xmlns:o="urn:schemas-microsoft-com:office:office" xmlns:v="urn:schemas-microsoft-com:vml" xmlns:pvml="urn:schemas-microsoft-com:office:powerpoint" xmlns:com="http://schemas.openxmlformats.org/drawingml/2006/compatibility" xmlns:p14="http://schemas.microsoft.com/office/powerpoint/2010/main" xmlns:p15="http://schemas.microsoft.com/office/powerpoint/2012/main" xmlns:ahyp="http://schemas.microsoft.com/office/drawing/2018/hyperlinkcolor" showMasterPhAnim="0" showMasterSp="0">
-  <p:cSld>
-    <p:spTree>
-      <p:nvGrpSpPr>
-        <p:cNvPr id="185" name="Shape 185"/>
-        <p:cNvGrpSpPr/>
-        <p:nvPr/>
-      </p:nvGrpSpPr>
-      <p:grpSpPr>
-        <a:xfrm>
-          <a:off x="0" y="0"/>
-          <a:ext cx="0" cy="0"/>
-          <a:chOff x="0" y="0"/>
-          <a:chExt cx="0" cy="0"/>
-        </a:xfrm>
-      </p:grpSpPr>
-      <p:sp>
-        <p:nvSpPr>
-          <p:cNvPr id="186" name="Google Shape;186;g2a69f688b14_0_44:notes"/>
+          <p:cNvPr id="178" name="Google Shape;178;g2a69f688b14_0_44:notes"/>
           <p:cNvSpPr/>
           <p:nvPr>
             <p:ph idx="2" type="sldImg"/>
@@ -1020,7 +920,7 @@
       </p:sp>
       <p:sp>
         <p:nvSpPr>
-          <p:cNvPr id="187" name="Google Shape;187;g2a69f688b14_0_44:notes"/>
+          <p:cNvPr id="179" name="Google Shape;179;g2a69f688b14_0_44:notes"/>
           <p:cNvSpPr txBox="1"/>
           <p:nvPr>
             <p:ph idx="1" type="body"/>
@@ -1063,7 +963,7 @@
       </p:sp>
       <p:sp>
         <p:nvSpPr>
-          <p:cNvPr id="188" name="Google Shape;188;g2a69f688b14_0_44:notes"/>
+          <p:cNvPr id="180" name="Google Shape;180;g2a69f688b14_0_44:notes"/>
           <p:cNvSpPr txBox="1"/>
           <p:nvPr>
             <p:ph idx="12" type="sldNum"/>
@@ -1113,12 +1013,12 @@
 </p:notes>
 </file>
 
-<file path=ppt/notesSlides/notesSlide12.xml><?xml version="1.0" encoding="utf-8"?>
+<file path=ppt/notesSlides/notesSlide11.xml><?xml version="1.0" encoding="utf-8"?>
 <p:notes xmlns:a="http://schemas.openxmlformats.org/drawingml/2006/main" xmlns:r="http://schemas.openxmlformats.org/officeDocument/2006/relationships" xmlns:mc="http://schemas.openxmlformats.org/markup-compatibility/2006" xmlns:mv="urn:schemas-microsoft-com:mac:vml" xmlns:p="http://schemas.openxmlformats.org/presentationml/2006/main" xmlns:c="http://schemas.openxmlformats.org/drawingml/2006/chart" xmlns:dgm="http://schemas.openxmlformats.org/drawingml/2006/diagram" xmlns:o="urn:schemas-microsoft-com:office:office" xmlns:v="urn:schemas-microsoft-com:vml" xmlns:pvml="urn:schemas-microsoft-com:office:powerpoint" xmlns:com="http://schemas.openxmlformats.org/drawingml/2006/compatibility" xmlns:p14="http://schemas.microsoft.com/office/powerpoint/2010/main" xmlns:p15="http://schemas.microsoft.com/office/powerpoint/2012/main" xmlns:ahyp="http://schemas.microsoft.com/office/drawing/2018/hyperlinkcolor" showMasterPhAnim="0" showMasterSp="0">
   <p:cSld>
     <p:spTree>
       <p:nvGrpSpPr>
-        <p:cNvPr id="193" name="Shape 193"/>
+        <p:cNvPr id="185" name="Shape 185"/>
         <p:cNvGrpSpPr/>
         <p:nvPr/>
       </p:nvGrpSpPr>
@@ -1132,7 +1032,7 @@
       </p:grpSpPr>
       <p:sp>
         <p:nvSpPr>
-          <p:cNvPr id="194" name="Google Shape;194;g2a69f688b14_0_50:notes"/>
+          <p:cNvPr id="186" name="Google Shape;186;g2a69f688b14_0_50:notes"/>
           <p:cNvSpPr/>
           <p:nvPr>
             <p:ph idx="2" type="sldImg"/>
@@ -1177,7 +1077,7 @@
       </p:sp>
       <p:sp>
         <p:nvSpPr>
-          <p:cNvPr id="195" name="Google Shape;195;g2a69f688b14_0_50:notes"/>
+          <p:cNvPr id="187" name="Google Shape;187;g2a69f688b14_0_50:notes"/>
           <p:cNvSpPr txBox="1"/>
           <p:nvPr>
             <p:ph idx="1" type="body"/>
@@ -1220,7 +1120,7 @@
       </p:sp>
       <p:sp>
         <p:nvSpPr>
-          <p:cNvPr id="196" name="Google Shape;196;g2a69f688b14_0_50:notes"/>
+          <p:cNvPr id="188" name="Google Shape;188;g2a69f688b14_0_50:notes"/>
           <p:cNvSpPr txBox="1"/>
           <p:nvPr>
             <p:ph idx="12" type="sldNum"/>
@@ -1270,12 +1170,12 @@
 </p:notes>
 </file>
 
-<file path=ppt/notesSlides/notesSlide13.xml><?xml version="1.0" encoding="utf-8"?>
+<file path=ppt/notesSlides/notesSlide12.xml><?xml version="1.0" encoding="utf-8"?>
 <p:notes xmlns:a="http://schemas.openxmlformats.org/drawingml/2006/main" xmlns:r="http://schemas.openxmlformats.org/officeDocument/2006/relationships" xmlns:mc="http://schemas.openxmlformats.org/markup-compatibility/2006" xmlns:mv="urn:schemas-microsoft-com:mac:vml" xmlns:p="http://schemas.openxmlformats.org/presentationml/2006/main" xmlns:c="http://schemas.openxmlformats.org/drawingml/2006/chart" xmlns:dgm="http://schemas.openxmlformats.org/drawingml/2006/diagram" xmlns:o="urn:schemas-microsoft-com:office:office" xmlns:v="urn:schemas-microsoft-com:vml" xmlns:pvml="urn:schemas-microsoft-com:office:powerpoint" xmlns:com="http://schemas.openxmlformats.org/drawingml/2006/compatibility" xmlns:p14="http://schemas.microsoft.com/office/powerpoint/2010/main" xmlns:p15="http://schemas.microsoft.com/office/powerpoint/2012/main" xmlns:ahyp="http://schemas.microsoft.com/office/drawing/2018/hyperlinkcolor" showMasterPhAnim="0" showMasterSp="0">
   <p:cSld>
     <p:spTree>
       <p:nvGrpSpPr>
-        <p:cNvPr id="202" name="Shape 202"/>
+        <p:cNvPr id="194" name="Shape 194"/>
         <p:cNvGrpSpPr/>
         <p:nvPr/>
       </p:nvGrpSpPr>
@@ -1289,7 +1189,7 @@
       </p:grpSpPr>
       <p:sp>
         <p:nvSpPr>
-          <p:cNvPr id="203" name="Google Shape;203;g2a69f688b14_0_59:notes"/>
+          <p:cNvPr id="195" name="Google Shape;195;g2a69f688b14_0_59:notes"/>
           <p:cNvSpPr/>
           <p:nvPr>
             <p:ph idx="2" type="sldImg"/>
@@ -1334,7 +1234,7 @@
       </p:sp>
       <p:sp>
         <p:nvSpPr>
-          <p:cNvPr id="204" name="Google Shape;204;g2a69f688b14_0_59:notes"/>
+          <p:cNvPr id="196" name="Google Shape;196;g2a69f688b14_0_59:notes"/>
           <p:cNvSpPr txBox="1"/>
           <p:nvPr>
             <p:ph idx="1" type="body"/>
@@ -1377,7 +1277,7 @@
       </p:sp>
       <p:sp>
         <p:nvSpPr>
-          <p:cNvPr id="205" name="Google Shape;205;g2a69f688b14_0_59:notes"/>
+          <p:cNvPr id="197" name="Google Shape;197;g2a69f688b14_0_59:notes"/>
           <p:cNvSpPr txBox="1"/>
           <p:nvPr>
             <p:ph idx="12" type="sldNum"/>
@@ -1427,12 +1327,12 @@
 </p:notes>
 </file>
 
-<file path=ppt/notesSlides/notesSlide14.xml><?xml version="1.0" encoding="utf-8"?>
+<file path=ppt/notesSlides/notesSlide13.xml><?xml version="1.0" encoding="utf-8"?>
 <p:notes xmlns:a="http://schemas.openxmlformats.org/drawingml/2006/main" xmlns:r="http://schemas.openxmlformats.org/officeDocument/2006/relationships" xmlns:mc="http://schemas.openxmlformats.org/markup-compatibility/2006" xmlns:mv="urn:schemas-microsoft-com:mac:vml" xmlns:p="http://schemas.openxmlformats.org/presentationml/2006/main" xmlns:c="http://schemas.openxmlformats.org/drawingml/2006/chart" xmlns:dgm="http://schemas.openxmlformats.org/drawingml/2006/diagram" xmlns:o="urn:schemas-microsoft-com:office:office" xmlns:v="urn:schemas-microsoft-com:vml" xmlns:pvml="urn:schemas-microsoft-com:office:powerpoint" xmlns:com="http://schemas.openxmlformats.org/drawingml/2006/compatibility" xmlns:p14="http://schemas.microsoft.com/office/powerpoint/2010/main" xmlns:p15="http://schemas.microsoft.com/office/powerpoint/2012/main" xmlns:ahyp="http://schemas.microsoft.com/office/drawing/2018/hyperlinkcolor" showMasterPhAnim="0" showMasterSp="0">
   <p:cSld>
     <p:spTree>
       <p:nvGrpSpPr>
-        <p:cNvPr id="211" name="Shape 211"/>
+        <p:cNvPr id="203" name="Shape 203"/>
         <p:cNvGrpSpPr/>
         <p:nvPr/>
       </p:nvGrpSpPr>
@@ -1446,7 +1346,7 @@
       </p:grpSpPr>
       <p:sp>
         <p:nvSpPr>
-          <p:cNvPr id="212" name="Google Shape;212;g2a69f688b14_0_68:notes"/>
+          <p:cNvPr id="204" name="Google Shape;204;g2a69f688b14_0_68:notes"/>
           <p:cNvSpPr/>
           <p:nvPr>
             <p:ph idx="2" type="sldImg"/>
@@ -1491,7 +1391,7 @@
       </p:sp>
       <p:sp>
         <p:nvSpPr>
-          <p:cNvPr id="213" name="Google Shape;213;g2a69f688b14_0_68:notes"/>
+          <p:cNvPr id="205" name="Google Shape;205;g2a69f688b14_0_68:notes"/>
           <p:cNvSpPr txBox="1"/>
           <p:nvPr>
             <p:ph idx="1" type="body"/>
@@ -1534,7 +1434,7 @@
       </p:sp>
       <p:sp>
         <p:nvSpPr>
-          <p:cNvPr id="214" name="Google Shape;214;g2a69f688b14_0_68:notes"/>
+          <p:cNvPr id="206" name="Google Shape;206;g2a69f688b14_0_68:notes"/>
           <p:cNvSpPr txBox="1"/>
           <p:nvPr>
             <p:ph idx="12" type="sldNum"/>
@@ -2489,7 +2389,7 @@
       </p:grpSpPr>
       <p:sp>
         <p:nvSpPr>
-          <p:cNvPr id="163" name="Google Shape;163;g2a72086b292_3_58:notes"/>
+          <p:cNvPr id="163" name="Google Shape;163;g2a707be276c_0_0:notes"/>
           <p:cNvSpPr/>
           <p:nvPr>
             <p:ph idx="2" type="sldImg"/>
@@ -2524,7 +2424,7 @@
       </p:sp>
       <p:sp>
         <p:nvSpPr>
-          <p:cNvPr id="164" name="Google Shape;164;g2a72086b292_3_58:notes"/>
+          <p:cNvPr id="164" name="Google Shape;164;g2a707be276c_0_0:notes"/>
           <p:cNvSpPr txBox="1"/>
           <p:nvPr>
             <p:ph idx="1" type="body"/>
@@ -2574,7 +2474,7 @@
   <p:cSld>
     <p:spTree>
       <p:nvGrpSpPr>
-        <p:cNvPr id="170" name="Shape 170"/>
+        <p:cNvPr id="169" name="Shape 169"/>
         <p:cNvGrpSpPr/>
         <p:nvPr/>
       </p:nvGrpSpPr>
@@ -2588,7 +2488,7 @@
       </p:grpSpPr>
       <p:sp>
         <p:nvSpPr>
-          <p:cNvPr id="171" name="Google Shape;171;g2a707be276c_0_0:notes"/>
+          <p:cNvPr id="170" name="Google Shape;170;g2a72086b292_2_0:notes"/>
           <p:cNvSpPr/>
           <p:nvPr>
             <p:ph idx="2" type="sldImg"/>
@@ -2623,7 +2523,7 @@
       </p:sp>
       <p:sp>
         <p:nvSpPr>
-          <p:cNvPr id="172" name="Google Shape;172;g2a707be276c_0_0:notes"/>
+          <p:cNvPr id="171" name="Google Shape;171;g2a72086b292_2_0:notes"/>
           <p:cNvSpPr txBox="1"/>
           <p:nvPr>
             <p:ph idx="1" type="body"/>
@@ -14134,7 +14034,7 @@
   <p:cSld>
     <p:spTree>
       <p:nvGrpSpPr>
-        <p:cNvPr id="180" name="Shape 180"/>
+        <p:cNvPr id="181" name="Shape 181"/>
         <p:cNvGrpSpPr/>
         <p:nvPr/>
       </p:nvGrpSpPr>
@@ -14148,7 +14048,7 @@
       </p:grpSpPr>
       <p:sp>
         <p:nvSpPr>
-          <p:cNvPr id="181" name="Google Shape;181;p34"/>
+          <p:cNvPr id="182" name="Google Shape;182;p34"/>
           <p:cNvSpPr txBox="1"/>
           <p:nvPr>
             <p:ph type="title"/>
@@ -14162,6 +14062,10 @@
           <a:prstGeom prst="rect">
             <a:avLst/>
           </a:prstGeom>
+          <a:noFill/>
+          <a:ln>
+            <a:noFill/>
+          </a:ln>
         </p:spPr>
         <p:txBody>
           <a:bodyPr anchorCtr="0" anchor="b" bIns="0" lIns="0" spcFirstLastPara="1" rIns="68575" wrap="square" tIns="34275">
@@ -14170,56 +14074,25 @@
           <a:lstStyle/>
           <a:p>
             <a:pPr indent="0" lvl="0" marL="0" rtl="0" algn="l">
-              <a:spcBef>
-                <a:spcPts val="0"/>
-              </a:spcBef>
-              <a:spcAft>
-                <a:spcPts val="0"/>
-              </a:spcAft>
+              <a:lnSpc>
+                <a:spcPct val="90000"/>
+              </a:lnSpc>
+              <a:spcBef>
+                <a:spcPts val="0"/>
+              </a:spcBef>
+              <a:spcAft>
+                <a:spcPts val="0"/>
+              </a:spcAft>
+              <a:buClr>
+                <a:srgbClr val="353535"/>
+              </a:buClr>
+              <a:buSzPts val="2600"/>
+              <a:buFont typeface="Arial"/>
               <a:buNone/>
             </a:pPr>
             <a:r>
               <a:rPr lang="en"/>
-              <a:t>Performance</a:t>
-            </a:r>
-            <a:endParaRPr/>
-          </a:p>
-        </p:txBody>
-      </p:sp>
-      <p:sp>
-        <p:nvSpPr>
-          <p:cNvPr id="182" name="Google Shape;182;p34"/>
-          <p:cNvSpPr txBox="1"/>
-          <p:nvPr>
-            <p:ph idx="1" type="body"/>
-          </p:nvPr>
-        </p:nvSpPr>
-        <p:spPr>
-          <a:xfrm>
-            <a:off x="1143000" y="1143000"/>
-            <a:ext cx="7372500" cy="346200"/>
-          </a:xfrm>
-          <a:prstGeom prst="rect">
-            <a:avLst/>
-          </a:prstGeom>
-        </p:spPr>
-        <p:txBody>
-          <a:bodyPr anchorCtr="0" anchor="t" bIns="34275" lIns="0" spcFirstLastPara="1" rIns="68575" wrap="square" tIns="34275">
-            <a:spAutoFit/>
-          </a:bodyPr>
-          <a:lstStyle/>
-          <a:p>
-            <a:pPr indent="0" lvl="0" marL="0" rtl="0" algn="l">
-              <a:spcBef>
-                <a:spcPts val="800"/>
-              </a:spcBef>
-              <a:spcAft>
-                <a:spcPts val="0"/>
-              </a:spcAft>
-              <a:buNone/>
-            </a:pPr>
-            <a:r>
-              <a:t/>
+              <a:t>Cross-layer-parameter sharing</a:t>
             </a:r>
             <a:endParaRPr/>
           </a:p>
@@ -14241,6 +14114,12 @@
           <a:prstGeom prst="rect">
             <a:avLst/>
           </a:prstGeom>
+          <a:solidFill>
+            <a:schemeClr val="accent1"/>
+          </a:solidFill>
+          <a:ln>
+            <a:noFill/>
+          </a:ln>
         </p:spPr>
         <p:txBody>
           <a:bodyPr anchorCtr="0" anchor="t" bIns="48000" lIns="205725" spcFirstLastPara="1" rIns="205725" wrap="square" tIns="48000">
@@ -14248,13 +14127,21 @@
           </a:bodyPr>
           <a:lstStyle/>
           <a:p>
-            <a:pPr indent="0" lvl="0" marL="0" rtl="0" algn="l">
-              <a:spcBef>
-                <a:spcPts val="800"/>
-              </a:spcBef>
-              <a:spcAft>
-                <a:spcPts val="0"/>
-              </a:spcAft>
+            <a:pPr indent="0" lvl="0" marL="0" marR="0" rtl="0" algn="l">
+              <a:lnSpc>
+                <a:spcPct val="90000"/>
+              </a:lnSpc>
+              <a:spcBef>
+                <a:spcPts val="0"/>
+              </a:spcBef>
+              <a:spcAft>
+                <a:spcPts val="0"/>
+              </a:spcAft>
+              <a:buClr>
+                <a:schemeClr val="lt1"/>
+              </a:buClr>
+              <a:buSzPts val="1100"/>
+              <a:buFont typeface="Arial"/>
               <a:buNone/>
             </a:pPr>
             <a:r>
@@ -14264,34 +14151,151 @@
           </a:p>
         </p:txBody>
       </p:sp>
-      <p:pic>
-        <p:nvPicPr>
+      <p:sp>
+        <p:nvSpPr>
           <p:cNvPr id="184" name="Google Shape;184;p34"/>
-          <p:cNvPicPr preferRelativeResize="0"/>
-          <p:nvPr/>
-        </p:nvPicPr>
-        <p:blipFill>
-          <a:blip r:embed="rId3">
-            <a:alphaModFix/>
-          </a:blip>
-          <a:stretch>
-            <a:fillRect/>
-          </a:stretch>
-        </p:blipFill>
+          <p:cNvSpPr txBox="1"/>
+          <p:nvPr>
+            <p:ph idx="1" type="body"/>
+          </p:nvPr>
+        </p:nvSpPr>
         <p:spPr>
           <a:xfrm>
-            <a:off x="2037525" y="1252725"/>
-            <a:ext cx="4783351" cy="3300250"/>
+            <a:off x="311700" y="1152475"/>
+            <a:ext cx="8520600" cy="3178500"/>
           </a:xfrm>
           <a:prstGeom prst="rect">
             <a:avLst/>
           </a:prstGeom>
-          <a:noFill/>
-          <a:ln>
-            <a:noFill/>
-          </a:ln>
         </p:spPr>
-      </p:pic>
+        <p:txBody>
+          <a:bodyPr anchorCtr="0" anchor="t" bIns="34275" lIns="0" spcFirstLastPara="1" rIns="68575" wrap="square" tIns="34275">
+            <a:spAutoFit/>
+          </a:bodyPr>
+          <a:lstStyle/>
+          <a:p>
+            <a:pPr indent="-317500" lvl="0" marL="457200" rtl="0" algn="l">
+              <a:spcBef>
+                <a:spcPts val="800"/>
+              </a:spcBef>
+              <a:spcAft>
+                <a:spcPts val="0"/>
+              </a:spcAft>
+              <a:buSzPts val="1400"/>
+              <a:buChar char="•"/>
+            </a:pPr>
+            <a:r>
+              <a:rPr lang="en"/>
+              <a:t>The same parameters (like weights and biases) are used across multiple layers, rather than each layer having its own distinct set</a:t>
+            </a:r>
+            <a:endParaRPr/>
+          </a:p>
+          <a:p>
+            <a:pPr indent="-317500" lvl="0" marL="457200" rtl="0" algn="l">
+              <a:spcBef>
+                <a:spcPts val="800"/>
+              </a:spcBef>
+              <a:spcAft>
+                <a:spcPts val="0"/>
+              </a:spcAft>
+              <a:buSzPts val="1400"/>
+              <a:buChar char="•"/>
+            </a:pPr>
+            <a:r>
+              <a:rPr lang="en"/>
+              <a:t>Reduce the overall number of parameters, lower memory and computational demands</a:t>
+            </a:r>
+            <a:endParaRPr/>
+          </a:p>
+          <a:p>
+            <a:pPr indent="-317500" lvl="0" marL="457200" rtl="0" algn="l">
+              <a:spcBef>
+                <a:spcPts val="800"/>
+              </a:spcBef>
+              <a:spcAft>
+                <a:spcPts val="0"/>
+              </a:spcAft>
+              <a:buSzPts val="1400"/>
+              <a:buChar char="•"/>
+            </a:pPr>
+            <a:r>
+              <a:rPr lang="en"/>
+              <a:t>A form of regularization, help to prevent overfitting </a:t>
+            </a:r>
+            <a:endParaRPr/>
+          </a:p>
+          <a:p>
+            <a:pPr indent="-317500" lvl="0" marL="457200" rtl="0" algn="l">
+              <a:spcBef>
+                <a:spcPts val="800"/>
+              </a:spcBef>
+              <a:spcAft>
+                <a:spcPts val="0"/>
+              </a:spcAft>
+              <a:buSzPts val="1400"/>
+              <a:buChar char="•"/>
+            </a:pPr>
+            <a:r>
+              <a:rPr lang="en"/>
+              <a:t>Benchmark: input - 512 - 512 - 10</a:t>
+            </a:r>
+            <a:endParaRPr/>
+          </a:p>
+          <a:p>
+            <a:pPr indent="-317500" lvl="0" marL="457200" rtl="0" algn="l">
+              <a:spcBef>
+                <a:spcPts val="800"/>
+              </a:spcBef>
+              <a:spcAft>
+                <a:spcPts val="0"/>
+              </a:spcAft>
+              <a:buSzPts val="1400"/>
+              <a:buChar char="•"/>
+            </a:pPr>
+            <a:r>
+              <a:rPr lang="en"/>
+              <a:t>Cross-layer: input - 512 (shared) - 512 (shared) - 10</a:t>
+            </a:r>
+            <a:endParaRPr/>
+          </a:p>
+          <a:p>
+            <a:pPr indent="-317500" lvl="0" marL="457200" rtl="0" algn="l">
+              <a:spcBef>
+                <a:spcPts val="800"/>
+              </a:spcBef>
+              <a:spcAft>
+                <a:spcPts val="0"/>
+              </a:spcAft>
+              <a:buSzPts val="1400"/>
+              <a:buChar char="•"/>
+            </a:pPr>
+            <a:r>
+              <a:rPr lang="en"/>
+              <a:t>B</a:t>
+            </a:r>
+            <a:r>
+              <a:rPr lang="en"/>
+              <a:t>oth have F1 score 0.7</a:t>
+            </a:r>
+            <a:endParaRPr/>
+          </a:p>
+          <a:p>
+            <a:pPr indent="0" lvl="0" marL="457200" rtl="0" algn="l">
+              <a:spcBef>
+                <a:spcPts val="800"/>
+              </a:spcBef>
+              <a:spcAft>
+                <a:spcPts val="0"/>
+              </a:spcAft>
+              <a:buNone/>
+            </a:pPr>
+            <a:r>
+              <a:t/>
+            </a:r>
+            <a:endParaRPr/>
+          </a:p>
+        </p:txBody>
+      </p:sp>
     </p:spTree>
   </p:cSld>
   <p:clrMapOvr>
@@ -14363,7 +14367,7 @@
             </a:pPr>
             <a:r>
               <a:rPr lang="en"/>
-              <a:t>Cross-layer-parameter sharing</a:t>
+              <a:t>Learning rate</a:t>
             </a:r>
             <a:endParaRPr/>
           </a:p>
@@ -14433,281 +14437,6 @@
         <p:spPr>
           <a:xfrm>
             <a:off x="311700" y="1152475"/>
-            <a:ext cx="8520600" cy="3178500"/>
-          </a:xfrm>
-          <a:prstGeom prst="rect">
-            <a:avLst/>
-          </a:prstGeom>
-        </p:spPr>
-        <p:txBody>
-          <a:bodyPr anchorCtr="0" anchor="t" bIns="34275" lIns="0" spcFirstLastPara="1" rIns="68575" wrap="square" tIns="34275">
-            <a:spAutoFit/>
-          </a:bodyPr>
-          <a:lstStyle/>
-          <a:p>
-            <a:pPr indent="-317500" lvl="0" marL="457200" rtl="0" algn="l">
-              <a:spcBef>
-                <a:spcPts val="800"/>
-              </a:spcBef>
-              <a:spcAft>
-                <a:spcPts val="0"/>
-              </a:spcAft>
-              <a:buSzPts val="1400"/>
-              <a:buChar char="•"/>
-            </a:pPr>
-            <a:r>
-              <a:rPr lang="en"/>
-              <a:t>The same parameters (like weights and biases) are used across multiple layers, rather than each layer having its own distinct set</a:t>
-            </a:r>
-            <a:endParaRPr/>
-          </a:p>
-          <a:p>
-            <a:pPr indent="-317500" lvl="0" marL="457200" rtl="0" algn="l">
-              <a:spcBef>
-                <a:spcPts val="800"/>
-              </a:spcBef>
-              <a:spcAft>
-                <a:spcPts val="0"/>
-              </a:spcAft>
-              <a:buSzPts val="1400"/>
-              <a:buChar char="•"/>
-            </a:pPr>
-            <a:r>
-              <a:rPr lang="en"/>
-              <a:t>Reduce the overall number of parameters, lower memory and computational demands</a:t>
-            </a:r>
-            <a:endParaRPr/>
-          </a:p>
-          <a:p>
-            <a:pPr indent="-317500" lvl="0" marL="457200" rtl="0" algn="l">
-              <a:spcBef>
-                <a:spcPts val="800"/>
-              </a:spcBef>
-              <a:spcAft>
-                <a:spcPts val="0"/>
-              </a:spcAft>
-              <a:buSzPts val="1400"/>
-              <a:buChar char="•"/>
-            </a:pPr>
-            <a:r>
-              <a:rPr lang="en"/>
-              <a:t>A form of regularization, help to prevent overfitting </a:t>
-            </a:r>
-            <a:endParaRPr/>
-          </a:p>
-          <a:p>
-            <a:pPr indent="-317500" lvl="0" marL="457200" rtl="0" algn="l">
-              <a:spcBef>
-                <a:spcPts val="800"/>
-              </a:spcBef>
-              <a:spcAft>
-                <a:spcPts val="0"/>
-              </a:spcAft>
-              <a:buSzPts val="1400"/>
-              <a:buChar char="•"/>
-            </a:pPr>
-            <a:r>
-              <a:rPr lang="en"/>
-              <a:t>Benchmark: input - 512 - 512 - 10</a:t>
-            </a:r>
-            <a:endParaRPr/>
-          </a:p>
-          <a:p>
-            <a:pPr indent="-317500" lvl="0" marL="457200" rtl="0" algn="l">
-              <a:spcBef>
-                <a:spcPts val="800"/>
-              </a:spcBef>
-              <a:spcAft>
-                <a:spcPts val="0"/>
-              </a:spcAft>
-              <a:buSzPts val="1400"/>
-              <a:buChar char="•"/>
-            </a:pPr>
-            <a:r>
-              <a:rPr lang="en"/>
-              <a:t>Cross-layer: input - 512 (shared) - 512 (shared) - 10</a:t>
-            </a:r>
-            <a:endParaRPr/>
-          </a:p>
-          <a:p>
-            <a:pPr indent="-317500" lvl="0" marL="457200" rtl="0" algn="l">
-              <a:spcBef>
-                <a:spcPts val="800"/>
-              </a:spcBef>
-              <a:spcAft>
-                <a:spcPts val="0"/>
-              </a:spcAft>
-              <a:buSzPts val="1400"/>
-              <a:buChar char="•"/>
-            </a:pPr>
-            <a:r>
-              <a:rPr lang="en"/>
-              <a:t>B</a:t>
-            </a:r>
-            <a:r>
-              <a:rPr lang="en"/>
-              <a:t>oth have F1 score 0.7</a:t>
-            </a:r>
-            <a:endParaRPr/>
-          </a:p>
-          <a:p>
-            <a:pPr indent="0" lvl="0" marL="457200" rtl="0" algn="l">
-              <a:spcBef>
-                <a:spcPts val="800"/>
-              </a:spcBef>
-              <a:spcAft>
-                <a:spcPts val="0"/>
-              </a:spcAft>
-              <a:buNone/>
-            </a:pPr>
-            <a:r>
-              <a:t/>
-            </a:r>
-            <a:endParaRPr/>
-          </a:p>
-        </p:txBody>
-      </p:sp>
-    </p:spTree>
-  </p:cSld>
-  <p:clrMapOvr>
-    <a:masterClrMapping/>
-  </p:clrMapOvr>
-</p:sld>
-</file>
-
-<file path=ppt/slides/slide12.xml><?xml version="1.0" encoding="utf-8"?>
-<p:sld xmlns:a="http://schemas.openxmlformats.org/drawingml/2006/main" xmlns:r="http://schemas.openxmlformats.org/officeDocument/2006/relationships" xmlns:mc="http://schemas.openxmlformats.org/markup-compatibility/2006" xmlns:mv="urn:schemas-microsoft-com:mac:vml" xmlns:p="http://schemas.openxmlformats.org/presentationml/2006/main" xmlns:c="http://schemas.openxmlformats.org/drawingml/2006/chart" xmlns:dgm="http://schemas.openxmlformats.org/drawingml/2006/diagram" xmlns:o="urn:schemas-microsoft-com:office:office" xmlns:v="urn:schemas-microsoft-com:vml" xmlns:pvml="urn:schemas-microsoft-com:office:powerpoint" xmlns:com="http://schemas.openxmlformats.org/drawingml/2006/compatibility" xmlns:p14="http://schemas.microsoft.com/office/powerpoint/2010/main" xmlns:p15="http://schemas.microsoft.com/office/powerpoint/2012/main" xmlns:ahyp="http://schemas.microsoft.com/office/drawing/2018/hyperlinkcolor">
-  <p:cSld>
-    <p:spTree>
-      <p:nvGrpSpPr>
-        <p:cNvPr id="197" name="Shape 197"/>
-        <p:cNvGrpSpPr/>
-        <p:nvPr/>
-      </p:nvGrpSpPr>
-      <p:grpSpPr>
-        <a:xfrm>
-          <a:off x="0" y="0"/>
-          <a:ext cx="0" cy="0"/>
-          <a:chOff x="0" y="0"/>
-          <a:chExt cx="0" cy="0"/>
-        </a:xfrm>
-      </p:grpSpPr>
-      <p:sp>
-        <p:nvSpPr>
-          <p:cNvPr id="198" name="Google Shape;198;p36"/>
-          <p:cNvSpPr txBox="1"/>
-          <p:nvPr>
-            <p:ph type="title"/>
-          </p:nvPr>
-        </p:nvSpPr>
-        <p:spPr>
-          <a:xfrm>
-            <a:off x="342900" y="510341"/>
-            <a:ext cx="8172600" cy="394800"/>
-          </a:xfrm>
-          <a:prstGeom prst="rect">
-            <a:avLst/>
-          </a:prstGeom>
-          <a:noFill/>
-          <a:ln>
-            <a:noFill/>
-          </a:ln>
-        </p:spPr>
-        <p:txBody>
-          <a:bodyPr anchorCtr="0" anchor="b" bIns="0" lIns="0" spcFirstLastPara="1" rIns="68575" wrap="square" tIns="34275">
-            <a:spAutoFit/>
-          </a:bodyPr>
-          <a:lstStyle/>
-          <a:p>
-            <a:pPr indent="0" lvl="0" marL="0" rtl="0" algn="l">
-              <a:lnSpc>
-                <a:spcPct val="90000"/>
-              </a:lnSpc>
-              <a:spcBef>
-                <a:spcPts val="0"/>
-              </a:spcBef>
-              <a:spcAft>
-                <a:spcPts val="0"/>
-              </a:spcAft>
-              <a:buClr>
-                <a:srgbClr val="353535"/>
-              </a:buClr>
-              <a:buSzPts val="2600"/>
-              <a:buFont typeface="Arial"/>
-              <a:buNone/>
-            </a:pPr>
-            <a:r>
-              <a:rPr lang="en"/>
-              <a:t>Learning rate</a:t>
-            </a:r>
-            <a:endParaRPr/>
-          </a:p>
-        </p:txBody>
-      </p:sp>
-      <p:sp>
-        <p:nvSpPr>
-          <p:cNvPr id="199" name="Google Shape;199;p36"/>
-          <p:cNvSpPr txBox="1"/>
-          <p:nvPr>
-            <p:ph idx="2" type="body"/>
-          </p:nvPr>
-        </p:nvSpPr>
-        <p:spPr>
-          <a:xfrm>
-            <a:off x="0" y="4900541"/>
-            <a:ext cx="3345300" cy="249300"/>
-          </a:xfrm>
-          <a:prstGeom prst="rect">
-            <a:avLst/>
-          </a:prstGeom>
-          <a:solidFill>
-            <a:schemeClr val="accent1"/>
-          </a:solidFill>
-          <a:ln>
-            <a:noFill/>
-          </a:ln>
-        </p:spPr>
-        <p:txBody>
-          <a:bodyPr anchorCtr="0" anchor="t" bIns="48000" lIns="205725" spcFirstLastPara="1" rIns="205725" wrap="square" tIns="48000">
-            <a:spAutoFit/>
-          </a:bodyPr>
-          <a:lstStyle/>
-          <a:p>
-            <a:pPr indent="0" lvl="0" marL="0" marR="0" rtl="0" algn="l">
-              <a:lnSpc>
-                <a:spcPct val="90000"/>
-              </a:lnSpc>
-              <a:spcBef>
-                <a:spcPts val="0"/>
-              </a:spcBef>
-              <a:spcAft>
-                <a:spcPts val="0"/>
-              </a:spcAft>
-              <a:buClr>
-                <a:schemeClr val="lt1"/>
-              </a:buClr>
-              <a:buSzPts val="1100"/>
-              <a:buFont typeface="Arial"/>
-              <a:buNone/>
-            </a:pPr>
-            <a:r>
-              <a:t/>
-            </a:r>
-            <a:endParaRPr/>
-          </a:p>
-        </p:txBody>
-      </p:sp>
-      <p:sp>
-        <p:nvSpPr>
-          <p:cNvPr id="200" name="Google Shape;200;p36"/>
-          <p:cNvSpPr txBox="1"/>
-          <p:nvPr>
-            <p:ph idx="1" type="body"/>
-          </p:nvPr>
-        </p:nvSpPr>
-        <p:spPr>
-          <a:xfrm>
-            <a:off x="311700" y="1152475"/>
             <a:ext cx="8520600" cy="3463800"/>
           </a:xfrm>
           <a:prstGeom prst="rect">
@@ -14855,7 +14584,7 @@
       </p:sp>
       <p:pic>
         <p:nvPicPr>
-          <p:cNvPr id="201" name="Google Shape;201;p36"/>
+          <p:cNvPr id="193" name="Google Shape;193;p35"/>
           <p:cNvPicPr preferRelativeResize="0"/>
           <p:nvPr/>
         </p:nvPicPr>
@@ -14889,12 +14618,12 @@
 </p:sld>
 </file>
 
-<file path=ppt/slides/slide13.xml><?xml version="1.0" encoding="utf-8"?>
+<file path=ppt/slides/slide12.xml><?xml version="1.0" encoding="utf-8"?>
 <p:sld xmlns:a="http://schemas.openxmlformats.org/drawingml/2006/main" xmlns:r="http://schemas.openxmlformats.org/officeDocument/2006/relationships" xmlns:mc="http://schemas.openxmlformats.org/markup-compatibility/2006" xmlns:mv="urn:schemas-microsoft-com:mac:vml" xmlns:p="http://schemas.openxmlformats.org/presentationml/2006/main" xmlns:c="http://schemas.openxmlformats.org/drawingml/2006/chart" xmlns:dgm="http://schemas.openxmlformats.org/drawingml/2006/diagram" xmlns:o="urn:schemas-microsoft-com:office:office" xmlns:v="urn:schemas-microsoft-com:vml" xmlns:pvml="urn:schemas-microsoft-com:office:powerpoint" xmlns:com="http://schemas.openxmlformats.org/drawingml/2006/compatibility" xmlns:p14="http://schemas.microsoft.com/office/powerpoint/2010/main" xmlns:p15="http://schemas.microsoft.com/office/powerpoint/2012/main" xmlns:ahyp="http://schemas.microsoft.com/office/drawing/2018/hyperlinkcolor">
   <p:cSld>
     <p:spTree>
       <p:nvGrpSpPr>
-        <p:cNvPr id="206" name="Shape 206"/>
+        <p:cNvPr id="198" name="Shape 198"/>
         <p:cNvGrpSpPr/>
         <p:nvPr/>
       </p:nvGrpSpPr>
@@ -14908,7 +14637,7 @@
       </p:grpSpPr>
       <p:sp>
         <p:nvSpPr>
-          <p:cNvPr id="207" name="Google Shape;207;p37"/>
+          <p:cNvPr id="199" name="Google Shape;199;p36"/>
           <p:cNvSpPr txBox="1"/>
           <p:nvPr>
             <p:ph type="title"/>
@@ -14960,7 +14689,7 @@
       </p:sp>
       <p:sp>
         <p:nvSpPr>
-          <p:cNvPr id="208" name="Google Shape;208;p37"/>
+          <p:cNvPr id="200" name="Google Shape;200;p36"/>
           <p:cNvSpPr txBox="1"/>
           <p:nvPr>
             <p:ph idx="2" type="body"/>
@@ -15013,7 +14742,7 @@
       </p:sp>
       <p:sp>
         <p:nvSpPr>
-          <p:cNvPr id="209" name="Google Shape;209;p37"/>
+          <p:cNvPr id="201" name="Google Shape;201;p36"/>
           <p:cNvSpPr txBox="1"/>
           <p:nvPr>
             <p:ph idx="1" type="body"/>
@@ -15152,7 +14881,7 @@
       </p:sp>
       <p:pic>
         <p:nvPicPr>
-          <p:cNvPr id="210" name="Google Shape;210;p37"/>
+          <p:cNvPr id="202" name="Google Shape;202;p36"/>
           <p:cNvPicPr preferRelativeResize="0"/>
           <p:nvPr/>
         </p:nvPicPr>
@@ -15185,12 +14914,12 @@
 </p:sld>
 </file>
 
-<file path=ppt/slides/slide14.xml><?xml version="1.0" encoding="utf-8"?>
+<file path=ppt/slides/slide13.xml><?xml version="1.0" encoding="utf-8"?>
 <p:sld xmlns:a="http://schemas.openxmlformats.org/drawingml/2006/main" xmlns:r="http://schemas.openxmlformats.org/officeDocument/2006/relationships" xmlns:mc="http://schemas.openxmlformats.org/markup-compatibility/2006" xmlns:mv="urn:schemas-microsoft-com:mac:vml" xmlns:p="http://schemas.openxmlformats.org/presentationml/2006/main" xmlns:c="http://schemas.openxmlformats.org/drawingml/2006/chart" xmlns:dgm="http://schemas.openxmlformats.org/drawingml/2006/diagram" xmlns:o="urn:schemas-microsoft-com:office:office" xmlns:v="urn:schemas-microsoft-com:vml" xmlns:pvml="urn:schemas-microsoft-com:office:powerpoint" xmlns:com="http://schemas.openxmlformats.org/drawingml/2006/compatibility" xmlns:p14="http://schemas.microsoft.com/office/powerpoint/2010/main" xmlns:p15="http://schemas.microsoft.com/office/powerpoint/2012/main" xmlns:ahyp="http://schemas.microsoft.com/office/drawing/2018/hyperlinkcolor">
   <p:cSld>
     <p:spTree>
       <p:nvGrpSpPr>
-        <p:cNvPr id="215" name="Shape 215"/>
+        <p:cNvPr id="207" name="Shape 207"/>
         <p:cNvGrpSpPr/>
         <p:nvPr/>
       </p:nvGrpSpPr>
@@ -15204,7 +14933,7 @@
       </p:grpSpPr>
       <p:sp>
         <p:nvSpPr>
-          <p:cNvPr id="216" name="Google Shape;216;p38"/>
+          <p:cNvPr id="208" name="Google Shape;208;p37"/>
           <p:cNvSpPr txBox="1"/>
           <p:nvPr>
             <p:ph type="title"/>
@@ -15256,7 +14985,7 @@
       </p:sp>
       <p:sp>
         <p:nvSpPr>
-          <p:cNvPr id="217" name="Google Shape;217;p38"/>
+          <p:cNvPr id="209" name="Google Shape;209;p37"/>
           <p:cNvSpPr txBox="1"/>
           <p:nvPr>
             <p:ph idx="2" type="body"/>
@@ -17376,7 +17105,7 @@
                   <a:srgbClr val="353535"/>
                 </a:solidFill>
               </a:rPr>
-              <a:t>Reduced the dimension of embedding from 1536 to 200 using LDA</a:t>
+              <a:t>Reduced the dimension of embedding from 1536 to 200 using PCA</a:t>
             </a:r>
             <a:endParaRPr sz="1900">
               <a:solidFill>
@@ -17469,7 +17198,7 @@
         <p:spPr>
           <a:xfrm>
             <a:off x="342900" y="510341"/>
-            <a:ext cx="8172600" cy="948900"/>
+            <a:ext cx="8172600" cy="394800"/>
           </a:xfrm>
           <a:prstGeom prst="rect">
             <a:avLst/>
@@ -17492,38 +17221,7 @@
             </a:pPr>
             <a:r>
               <a:rPr lang="en"/>
-              <a:t>Improving the Pretrain Process </a:t>
-            </a:r>
-            <a:endParaRPr/>
-          </a:p>
-          <a:p>
-            <a:pPr indent="0" lvl="0" marL="0" rtl="0" algn="l">
-              <a:spcBef>
-                <a:spcPts val="0"/>
-              </a:spcBef>
-              <a:spcAft>
-                <a:spcPts val="0"/>
-              </a:spcAft>
-              <a:buNone/>
-            </a:pPr>
-            <a:r>
-              <a:t/>
-            </a:r>
-            <a:endParaRPr b="0" sz="2000"/>
-          </a:p>
-          <a:p>
-            <a:pPr indent="0" lvl="0" marL="0" rtl="0" algn="l">
-              <a:spcBef>
-                <a:spcPts val="0"/>
-              </a:spcBef>
-              <a:spcAft>
-                <a:spcPts val="0"/>
-              </a:spcAft>
-              <a:buNone/>
-            </a:pPr>
-            <a:r>
-              <a:rPr b="0" lang="en" sz="2000"/>
-              <a:t>Training Detail</a:t>
+              <a:t>Processing Large-Scale Datasets</a:t>
             </a:r>
             <a:endParaRPr/>
           </a:p>
@@ -17568,44 +17266,16 @@
           </a:p>
         </p:txBody>
       </p:sp>
-      <p:pic>
-        <p:nvPicPr>
-          <p:cNvPr id="168" name="Google Shape;168;p32"/>
-          <p:cNvPicPr preferRelativeResize="0"/>
-          <p:nvPr/>
-        </p:nvPicPr>
-        <p:blipFill>
-          <a:blip r:embed="rId3">
-            <a:alphaModFix/>
-          </a:blip>
-          <a:stretch>
-            <a:fillRect/>
-          </a:stretch>
-        </p:blipFill>
-        <p:spPr>
-          <a:xfrm>
-            <a:off x="396650" y="3517425"/>
-            <a:ext cx="6370774" cy="1022125"/>
-          </a:xfrm>
-          <a:prstGeom prst="rect">
-            <a:avLst/>
-          </a:prstGeom>
-          <a:noFill/>
-          <a:ln>
-            <a:noFill/>
-          </a:ln>
-        </p:spPr>
-      </p:pic>
       <p:sp>
         <p:nvSpPr>
-          <p:cNvPr id="169" name="Google Shape;169;p32"/>
+          <p:cNvPr id="168" name="Google Shape;168;p32"/>
           <p:cNvSpPr txBox="1"/>
           <p:nvPr/>
         </p:nvSpPr>
         <p:spPr>
           <a:xfrm>
-            <a:off x="774475" y="1830850"/>
-            <a:ext cx="7818900" cy="1108200"/>
+            <a:off x="342900" y="1234550"/>
+            <a:ext cx="8379900" cy="3915300"/>
           </a:xfrm>
           <a:prstGeom prst="rect">
             <a:avLst/>
@@ -17617,90 +17287,228 @@
         </p:spPr>
         <p:txBody>
           <a:bodyPr anchorCtr="0" anchor="t" bIns="91425" lIns="91425" spcFirstLastPara="1" rIns="91425" wrap="square" tIns="91425">
-            <a:spAutoFit/>
+            <a:noAutofit/>
           </a:bodyPr>
           <a:lstStyle/>
           <a:p>
-            <a:pPr indent="-355600" lvl="0" marL="457200" rtl="0" algn="l">
-              <a:spcBef>
-                <a:spcPts val="0"/>
-              </a:spcBef>
-              <a:spcAft>
-                <a:spcPts val="0"/>
-              </a:spcAft>
-              <a:buClr>
-                <a:srgbClr val="353535"/>
-              </a:buClr>
-              <a:buSzPts val="2000"/>
-              <a:buChar char="●"/>
+            <a:pPr indent="0" lvl="0" marL="0" rtl="0" algn="l">
+              <a:spcBef>
+                <a:spcPts val="0"/>
+              </a:spcBef>
+              <a:spcAft>
+                <a:spcPts val="0"/>
+              </a:spcAft>
+              <a:buNone/>
             </a:pPr>
             <a:r>
-              <a:rPr lang="en" sz="2000">
+              <a:rPr lang="en" sz="1800">
                 <a:solidFill>
-                  <a:srgbClr val="353535"/>
+                  <a:schemeClr val="dk2"/>
                 </a:solidFill>
               </a:rPr>
-              <a:t>Outdated packages and problematic code from original version</a:t>
+              <a:t>scRNA-seq datasets are not only high-dimensional but also large in volume. </a:t>
             </a:r>
-            <a:endParaRPr sz="2000">
+            <a:endParaRPr sz="1800">
               <a:solidFill>
-                <a:srgbClr val="353535"/>
+                <a:schemeClr val="dk2"/>
               </a:solidFill>
             </a:endParaRPr>
           </a:p>
           <a:p>
-            <a:pPr indent="-355600" lvl="0" marL="457200" rtl="0" algn="l">
-              <a:spcBef>
-                <a:spcPts val="0"/>
-              </a:spcBef>
-              <a:spcAft>
-                <a:spcPts val="0"/>
-              </a:spcAft>
-              <a:buClr>
-                <a:srgbClr val="353535"/>
-              </a:buClr>
-              <a:buSzPts val="2000"/>
-              <a:buChar char="●"/>
+            <a:pPr indent="0" lvl="0" marL="0" rtl="0" algn="l">
+              <a:spcBef>
+                <a:spcPts val="0"/>
+              </a:spcBef>
+              <a:spcAft>
+                <a:spcPts val="0"/>
+              </a:spcAft>
+              <a:buNone/>
             </a:pPr>
             <a:r>
-              <a:rPr lang="en" sz="2000">
-                <a:solidFill>
-                  <a:srgbClr val="353535"/>
-                </a:solidFill>
-              </a:rPr>
-              <a:t>Memory intensive</a:t>
+              <a:t/>
             </a:r>
-            <a:endParaRPr sz="2000">
+            <a:endParaRPr sz="1800">
               <a:solidFill>
-                <a:srgbClr val="353535"/>
+                <a:schemeClr val="dk2"/>
               </a:solidFill>
             </a:endParaRPr>
           </a:p>
           <a:p>
-            <a:pPr indent="-355600" lvl="0" marL="457200" rtl="0" algn="l">
-              <a:spcBef>
-                <a:spcPts val="0"/>
-              </a:spcBef>
-              <a:spcAft>
-                <a:spcPts val="0"/>
-              </a:spcAft>
-              <a:buClr>
-                <a:srgbClr val="353535"/>
-              </a:buClr>
-              <a:buSzPts val="2000"/>
+            <a:pPr indent="-342900" lvl="0" marL="457200" rtl="0" algn="l">
+              <a:spcBef>
+                <a:spcPts val="0"/>
+              </a:spcBef>
+              <a:spcAft>
+                <a:spcPts val="0"/>
+              </a:spcAft>
+              <a:buClr>
+                <a:schemeClr val="dk2"/>
+              </a:buClr>
+              <a:buSzPts val="1800"/>
               <a:buChar char="●"/>
             </a:pPr>
             <a:r>
-              <a:rPr lang="en" sz="2000">
+              <a:rPr lang="en" sz="1800">
                 <a:solidFill>
-                  <a:srgbClr val="353535"/>
+                  <a:schemeClr val="dk2"/>
                 </a:solidFill>
               </a:rPr>
-              <a:t>Slow in speed</a:t>
+              <a:t>New_dataset: preprocessed original dataset.</a:t>
             </a:r>
-            <a:endParaRPr sz="2000">
+            <a:endParaRPr sz="1800">
               <a:solidFill>
-                <a:srgbClr val="353535"/>
+                <a:schemeClr val="dk2"/>
+              </a:solidFill>
+            </a:endParaRPr>
+          </a:p>
+          <a:p>
+            <a:pPr indent="-342900" lvl="0" marL="457200" rtl="0" algn="l">
+              <a:spcBef>
+                <a:spcPts val="0"/>
+              </a:spcBef>
+              <a:spcAft>
+                <a:spcPts val="0"/>
+              </a:spcAft>
+              <a:buClr>
+                <a:schemeClr val="dk2"/>
+              </a:buClr>
+              <a:buSzPts val="1800"/>
+              <a:buChar char="●"/>
+            </a:pPr>
+            <a:r>
+              <a:rPr lang="en" sz="1800">
+                <a:solidFill>
+                  <a:schemeClr val="dk2"/>
+                </a:solidFill>
+              </a:rPr>
+              <a:t>New</a:t>
+            </a:r>
+            <a:r>
+              <a:rPr lang="en" sz="1800">
+                <a:solidFill>
+                  <a:schemeClr val="dk2"/>
+                </a:solidFill>
+              </a:rPr>
+              <a:t>_subsampling: reducing the number of cells to 300 of all cell types.</a:t>
+            </a:r>
+            <a:endParaRPr sz="1800">
+              <a:solidFill>
+                <a:schemeClr val="dk2"/>
+              </a:solidFill>
+            </a:endParaRPr>
+          </a:p>
+          <a:p>
+            <a:pPr indent="-342900" lvl="0" marL="457200" rtl="0" algn="l">
+              <a:spcBef>
+                <a:spcPts val="0"/>
+              </a:spcBef>
+              <a:spcAft>
+                <a:spcPts val="0"/>
+              </a:spcAft>
+              <a:buClr>
+                <a:schemeClr val="dk2"/>
+              </a:buClr>
+              <a:buSzPts val="1800"/>
+              <a:buChar char="●"/>
+            </a:pPr>
+            <a:r>
+              <a:rPr lang="en" sz="1800">
+                <a:solidFill>
+                  <a:schemeClr val="dk2"/>
+                </a:solidFill>
+              </a:rPr>
+              <a:t>New</a:t>
+            </a:r>
+            <a:r>
+              <a:rPr lang="en" sz="1800">
+                <a:solidFill>
+                  <a:schemeClr val="dk2"/>
+                </a:solidFill>
+              </a:rPr>
+              <a:t>_oversampling: augmenting the number of BP and MoP to 4600 cells using SMOTE algorithm, function fit_resample and seed=2021.</a:t>
+            </a:r>
+            <a:endParaRPr sz="1800">
+              <a:solidFill>
+                <a:schemeClr val="dk2"/>
+              </a:solidFill>
+            </a:endParaRPr>
+          </a:p>
+          <a:p>
+            <a:pPr indent="-342900" lvl="0" marL="457200" rtl="0" algn="l">
+              <a:spcBef>
+                <a:spcPts val="0"/>
+              </a:spcBef>
+              <a:spcAft>
+                <a:spcPts val="0"/>
+              </a:spcAft>
+              <a:buClr>
+                <a:schemeClr val="dk2"/>
+              </a:buClr>
+              <a:buSzPts val="1800"/>
+              <a:buChar char="●"/>
+            </a:pPr>
+            <a:r>
+              <a:rPr lang="en" sz="1800">
+                <a:solidFill>
+                  <a:schemeClr val="dk2"/>
+                </a:solidFill>
+              </a:rPr>
+              <a:t>New</a:t>
+            </a:r>
+            <a:r>
+              <a:rPr lang="en" sz="1800">
+                <a:solidFill>
+                  <a:schemeClr val="dk2"/>
+                </a:solidFill>
+              </a:rPr>
+              <a:t>_randomoversampling: augmenting the number of BP and MoP to 4000 cells using RandomOverSampler algorithm, function fit_resample and seed=2021.</a:t>
+            </a:r>
+            <a:endParaRPr sz="1800">
+              <a:solidFill>
+                <a:schemeClr val="dk2"/>
+              </a:solidFill>
+            </a:endParaRPr>
+          </a:p>
+          <a:p>
+            <a:pPr indent="0" lvl="0" marL="0" rtl="0" algn="l">
+              <a:spcBef>
+                <a:spcPts val="0"/>
+              </a:spcBef>
+              <a:spcAft>
+                <a:spcPts val="0"/>
+              </a:spcAft>
+              <a:buNone/>
+            </a:pPr>
+            <a:r>
+              <a:t/>
+            </a:r>
+            <a:endParaRPr sz="1800">
+              <a:solidFill>
+                <a:schemeClr val="dk2"/>
+              </a:solidFill>
+            </a:endParaRPr>
+          </a:p>
+          <a:p>
+            <a:pPr indent="0" lvl="0" marL="0" rtl="0" algn="l">
+              <a:spcBef>
+                <a:spcPts val="0"/>
+              </a:spcBef>
+              <a:spcAft>
+                <a:spcPts val="0"/>
+              </a:spcAft>
+              <a:buNone/>
+            </a:pPr>
+            <a:r>
+              <a:rPr lang="en" sz="1800">
+                <a:solidFill>
+                  <a:schemeClr val="dk2"/>
+                </a:solidFill>
+              </a:rPr>
+              <a:t>These new datasets were divided into training (size 70%) and test (size 30%) data using the function StratifiedShuffleSplit and seed=2021.</a:t>
+            </a:r>
+            <a:endParaRPr sz="1800">
+              <a:solidFill>
+                <a:schemeClr val="dk2"/>
               </a:solidFill>
             </a:endParaRPr>
           </a:p>
@@ -17719,7 +17527,7 @@
   <p:cSld>
     <p:spTree>
       <p:nvGrpSpPr>
-        <p:cNvPr id="173" name="Shape 173"/>
+        <p:cNvPr id="172" name="Shape 172"/>
         <p:cNvGrpSpPr/>
         <p:nvPr/>
       </p:nvGrpSpPr>
@@ -17733,7 +17541,7 @@
       </p:grpSpPr>
       <p:sp>
         <p:nvSpPr>
-          <p:cNvPr id="174" name="Google Shape;174;p33"/>
+          <p:cNvPr id="173" name="Google Shape;173;p33"/>
           <p:cNvSpPr txBox="1"/>
           <p:nvPr>
             <p:ph type="title"/>
@@ -17765,7 +17573,46 @@
             </a:pPr>
             <a:r>
               <a:rPr lang="en"/>
-              <a:t>Processing Large-Scale Datasets</a:t>
+              <a:t>Performance</a:t>
+            </a:r>
+            <a:endParaRPr/>
+          </a:p>
+        </p:txBody>
+      </p:sp>
+      <p:sp>
+        <p:nvSpPr>
+          <p:cNvPr id="174" name="Google Shape;174;p33"/>
+          <p:cNvSpPr txBox="1"/>
+          <p:nvPr>
+            <p:ph idx="1" type="body"/>
+          </p:nvPr>
+        </p:nvSpPr>
+        <p:spPr>
+          <a:xfrm>
+            <a:off x="1143000" y="1143000"/>
+            <a:ext cx="7372500" cy="346200"/>
+          </a:xfrm>
+          <a:prstGeom prst="rect">
+            <a:avLst/>
+          </a:prstGeom>
+        </p:spPr>
+        <p:txBody>
+          <a:bodyPr anchorCtr="0" anchor="t" bIns="34275" lIns="0" spcFirstLastPara="1" rIns="68575" wrap="square" tIns="34275">
+            <a:spAutoFit/>
+          </a:bodyPr>
+          <a:lstStyle/>
+          <a:p>
+            <a:pPr indent="0" lvl="0" marL="0" rtl="0" algn="l">
+              <a:spcBef>
+                <a:spcPts val="800"/>
+              </a:spcBef>
+              <a:spcAft>
+                <a:spcPts val="0"/>
+              </a:spcAft>
+              <a:buNone/>
+            </a:pPr>
+            <a:r>
+              <a:t/>
             </a:r>
             <a:endParaRPr/>
           </a:p>
@@ -17810,16 +17657,24 @@
           </a:p>
         </p:txBody>
       </p:sp>
-      <p:sp>
-        <p:nvSpPr>
+      <p:pic>
+        <p:nvPicPr>
           <p:cNvPr id="176" name="Google Shape;176;p33"/>
-          <p:cNvSpPr txBox="1"/>
+          <p:cNvPicPr preferRelativeResize="0"/>
           <p:nvPr/>
-        </p:nvSpPr>
+        </p:nvPicPr>
+        <p:blipFill>
+          <a:blip r:embed="rId3">
+            <a:alphaModFix/>
+          </a:blip>
+          <a:stretch>
+            <a:fillRect/>
+          </a:stretch>
+        </p:blipFill>
         <p:spPr>
           <a:xfrm>
-            <a:off x="342900" y="1234550"/>
-            <a:ext cx="8379900" cy="3915300"/>
+            <a:off x="2037525" y="1252725"/>
+            <a:ext cx="4783351" cy="3300250"/>
           </a:xfrm>
           <a:prstGeom prst="rect">
             <a:avLst/>
@@ -17829,235 +17684,7 @@
             <a:noFill/>
           </a:ln>
         </p:spPr>
-        <p:txBody>
-          <a:bodyPr anchorCtr="0" anchor="t" bIns="91425" lIns="91425" spcFirstLastPara="1" rIns="91425" wrap="square" tIns="91425">
-            <a:noAutofit/>
-          </a:bodyPr>
-          <a:lstStyle/>
-          <a:p>
-            <a:pPr indent="0" lvl="0" marL="0" rtl="0" algn="l">
-              <a:spcBef>
-                <a:spcPts val="0"/>
-              </a:spcBef>
-              <a:spcAft>
-                <a:spcPts val="0"/>
-              </a:spcAft>
-              <a:buNone/>
-            </a:pPr>
-            <a:r>
-              <a:rPr lang="en" sz="1800">
-                <a:solidFill>
-                  <a:schemeClr val="dk2"/>
-                </a:solidFill>
-              </a:rPr>
-              <a:t>scRNA-seq datasets are not only high-dimensional but also large in volume. </a:t>
-            </a:r>
-            <a:endParaRPr sz="1800">
-              <a:solidFill>
-                <a:schemeClr val="dk2"/>
-              </a:solidFill>
-            </a:endParaRPr>
-          </a:p>
-          <a:p>
-            <a:pPr indent="0" lvl="0" marL="0" rtl="0" algn="l">
-              <a:spcBef>
-                <a:spcPts val="0"/>
-              </a:spcBef>
-              <a:spcAft>
-                <a:spcPts val="0"/>
-              </a:spcAft>
-              <a:buNone/>
-            </a:pPr>
-            <a:r>
-              <a:t/>
-            </a:r>
-            <a:endParaRPr sz="1800">
-              <a:solidFill>
-                <a:schemeClr val="dk2"/>
-              </a:solidFill>
-            </a:endParaRPr>
-          </a:p>
-          <a:p>
-            <a:pPr indent="-342900" lvl="0" marL="457200" rtl="0" algn="l">
-              <a:spcBef>
-                <a:spcPts val="0"/>
-              </a:spcBef>
-              <a:spcAft>
-                <a:spcPts val="0"/>
-              </a:spcAft>
-              <a:buClr>
-                <a:schemeClr val="dk2"/>
-              </a:buClr>
-              <a:buSzPts val="1800"/>
-              <a:buChar char="●"/>
-            </a:pPr>
-            <a:r>
-              <a:rPr lang="en" sz="1800">
-                <a:solidFill>
-                  <a:schemeClr val="dk2"/>
-                </a:solidFill>
-              </a:rPr>
-              <a:t>New_dataset: preprocessed original dataset.</a:t>
-            </a:r>
-            <a:endParaRPr sz="1800">
-              <a:solidFill>
-                <a:schemeClr val="dk2"/>
-              </a:solidFill>
-            </a:endParaRPr>
-          </a:p>
-          <a:p>
-            <a:pPr indent="-342900" lvl="0" marL="457200" rtl="0" algn="l">
-              <a:spcBef>
-                <a:spcPts val="0"/>
-              </a:spcBef>
-              <a:spcAft>
-                <a:spcPts val="0"/>
-              </a:spcAft>
-              <a:buClr>
-                <a:schemeClr val="dk2"/>
-              </a:buClr>
-              <a:buSzPts val="1800"/>
-              <a:buChar char="●"/>
-            </a:pPr>
-            <a:r>
-              <a:rPr lang="en" sz="1800">
-                <a:solidFill>
-                  <a:schemeClr val="dk2"/>
-                </a:solidFill>
-              </a:rPr>
-              <a:t>New</a:t>
-            </a:r>
-            <a:r>
-              <a:rPr lang="en" sz="1800">
-                <a:solidFill>
-                  <a:schemeClr val="dk2"/>
-                </a:solidFill>
-              </a:rPr>
-              <a:t>_subsampling: reducing the number of cells to 300 of all cell types.</a:t>
-            </a:r>
-            <a:endParaRPr sz="1800">
-              <a:solidFill>
-                <a:schemeClr val="dk2"/>
-              </a:solidFill>
-            </a:endParaRPr>
-          </a:p>
-          <a:p>
-            <a:pPr indent="-342900" lvl="0" marL="457200" rtl="0" algn="l">
-              <a:spcBef>
-                <a:spcPts val="0"/>
-              </a:spcBef>
-              <a:spcAft>
-                <a:spcPts val="0"/>
-              </a:spcAft>
-              <a:buClr>
-                <a:schemeClr val="dk2"/>
-              </a:buClr>
-              <a:buSzPts val="1800"/>
-              <a:buChar char="●"/>
-            </a:pPr>
-            <a:r>
-              <a:rPr lang="en" sz="1800">
-                <a:solidFill>
-                  <a:schemeClr val="dk2"/>
-                </a:solidFill>
-              </a:rPr>
-              <a:t>New</a:t>
-            </a:r>
-            <a:r>
-              <a:rPr lang="en" sz="1800">
-                <a:solidFill>
-                  <a:schemeClr val="dk2"/>
-                </a:solidFill>
-              </a:rPr>
-              <a:t>_oversampling: augmenting the number of BP and MoP to 4600 cells using SMOTE algorithm, function fit_resample and seed=2021.</a:t>
-            </a:r>
-            <a:endParaRPr sz="1800">
-              <a:solidFill>
-                <a:schemeClr val="dk2"/>
-              </a:solidFill>
-            </a:endParaRPr>
-          </a:p>
-          <a:p>
-            <a:pPr indent="-342900" lvl="0" marL="457200" rtl="0" algn="l">
-              <a:spcBef>
-                <a:spcPts val="0"/>
-              </a:spcBef>
-              <a:spcAft>
-                <a:spcPts val="0"/>
-              </a:spcAft>
-              <a:buClr>
-                <a:schemeClr val="dk2"/>
-              </a:buClr>
-              <a:buSzPts val="1800"/>
-              <a:buChar char="●"/>
-            </a:pPr>
-            <a:r>
-              <a:rPr lang="en" sz="1800">
-                <a:solidFill>
-                  <a:schemeClr val="dk2"/>
-                </a:solidFill>
-              </a:rPr>
-              <a:t>New</a:t>
-            </a:r>
-            <a:r>
-              <a:rPr lang="en" sz="1800">
-                <a:solidFill>
-                  <a:schemeClr val="dk2"/>
-                </a:solidFill>
-              </a:rPr>
-              <a:t>_randomoversampling: augmenting the number of BP and MoP to 4000 cells using RandomOverSampler algorithm, function fit_resample and seed=2021.</a:t>
-            </a:r>
-            <a:endParaRPr sz="1800">
-              <a:solidFill>
-                <a:schemeClr val="dk2"/>
-              </a:solidFill>
-            </a:endParaRPr>
-          </a:p>
-          <a:p>
-            <a:pPr indent="0" lvl="0" marL="0" rtl="0" algn="l">
-              <a:spcBef>
-                <a:spcPts val="0"/>
-              </a:spcBef>
-              <a:spcAft>
-                <a:spcPts val="0"/>
-              </a:spcAft>
-              <a:buNone/>
-            </a:pPr>
-            <a:r>
-              <a:t/>
-            </a:r>
-            <a:endParaRPr sz="1800">
-              <a:solidFill>
-                <a:schemeClr val="dk2"/>
-              </a:solidFill>
-            </a:endParaRPr>
-          </a:p>
-          <a:p>
-            <a:pPr indent="0" lvl="0" marL="0" rtl="0" algn="l">
-              <a:spcBef>
-                <a:spcPts val="0"/>
-              </a:spcBef>
-              <a:spcAft>
-                <a:spcPts val="0"/>
-              </a:spcAft>
-              <a:buNone/>
-            </a:pPr>
-            <a:r>
-              <a:rPr lang="en" sz="1800">
-                <a:solidFill>
-                  <a:schemeClr val="dk2"/>
-                </a:solidFill>
-              </a:rPr>
-              <a:t>These new datasets were divided into training (size 70%) and test (size 30%) data using the function StratifiedShuffleSplit and seed=2021.</a:t>
-            </a:r>
-            <a:endParaRPr sz="1800">
-              <a:solidFill>
-                <a:schemeClr val="dk2"/>
-              </a:solidFill>
-            </a:endParaRPr>
-          </a:p>
-        </p:txBody>
-      </p:sp>
+      </p:pic>
     </p:spTree>
   </p:cSld>
   <p:clrMapOvr>
@@ -18067,6 +17694,285 @@
 </file>
 
 <file path=ppt/theme/theme1.xml><?xml version="1.0" encoding="utf-8"?>
+<a:theme xmlns:a="http://schemas.openxmlformats.org/drawingml/2006/main" xmlns:r="http://schemas.openxmlformats.org/officeDocument/2006/relationships" name="Office Theme">
+  <a:themeElements>
+    <a:clrScheme name="UW-Madison 2">
+      <a:dk1>
+        <a:srgbClr val="202020"/>
+      </a:dk1>
+      <a:lt1>
+        <a:srgbClr val="FFFFFF"/>
+      </a:lt1>
+      <a:dk2>
+        <a:srgbClr val="101010"/>
+      </a:dk2>
+      <a:lt2>
+        <a:srgbClr val="DADFE1"/>
+      </a:lt2>
+      <a:accent1>
+        <a:srgbClr val="C5050C"/>
+      </a:accent1>
+      <a:accent2>
+        <a:srgbClr val="8DD3CE"/>
+      </a:accent2>
+      <a:accent3>
+        <a:srgbClr val="FCCB51"/>
+      </a:accent3>
+      <a:accent4>
+        <a:srgbClr val="ADADAD"/>
+      </a:accent4>
+      <a:accent5>
+        <a:srgbClr val="006992"/>
+      </a:accent5>
+      <a:accent6>
+        <a:srgbClr val="432E4F"/>
+      </a:accent6>
+      <a:hlink>
+        <a:srgbClr val="0479A8"/>
+      </a:hlink>
+      <a:folHlink>
+        <a:srgbClr val="0479A8"/>
+      </a:folHlink>
+    </a:clrScheme>
+    <a:fontScheme name="Office">
+      <a:majorFont>
+        <a:latin typeface="Arial"/>
+        <a:ea typeface=""/>
+        <a:cs typeface=""/>
+        <a:font script="Jpan" typeface="ＭＳ Ｐゴシック"/>
+        <a:font script="Hang" typeface="맑은 고딕"/>
+        <a:font script="Hans" typeface="宋体"/>
+        <a:font script="Hant" typeface="新細明體"/>
+        <a:font script="Arab" typeface="Times New Roman"/>
+        <a:font script="Hebr" typeface="Times New Roman"/>
+        <a:font script="Thai" typeface="Angsana New"/>
+        <a:font script="Ethi" typeface="Nyala"/>
+        <a:font script="Beng" typeface="Vrinda"/>
+        <a:font script="Gujr" typeface="Shruti"/>
+        <a:font script="Khmr" typeface="MoolBoran"/>
+        <a:font script="Knda" typeface="Tunga"/>
+        <a:font script="Guru" typeface="Raavi"/>
+        <a:font script="Cans" typeface="Euphemia"/>
+        <a:font script="Cher" typeface="Plantagenet Cherokee"/>
+        <a:font script="Yiii" typeface="Microsoft Yi Baiti"/>
+        <a:font script="Tibt" typeface="Microsoft Himalaya"/>
+        <a:font script="Thaa" typeface="MV Boli"/>
+        <a:font script="Deva" typeface="Mangal"/>
+        <a:font script="Telu" typeface="Gautami"/>
+        <a:font script="Taml" typeface="Latha"/>
+        <a:font script="Syrc" typeface="Estrangelo Edessa"/>
+        <a:font script="Orya" typeface="Kalinga"/>
+        <a:font script="Mlym" typeface="Kartika"/>
+        <a:font script="Laoo" typeface="DokChampa"/>
+        <a:font script="Sinh" typeface="Iskoola Pota"/>
+        <a:font script="Mong" typeface="Mongolian Baiti"/>
+        <a:font script="Viet" typeface="Times New Roman"/>
+        <a:font script="Uigh" typeface="Microsoft Uighur"/>
+        <a:font script="Geor" typeface="Sylfaen"/>
+      </a:majorFont>
+      <a:minorFont>
+        <a:latin typeface="Arial"/>
+        <a:ea typeface=""/>
+        <a:cs typeface=""/>
+        <a:font script="Jpan" typeface="ＭＳ Ｐゴシック"/>
+        <a:font script="Hang" typeface="맑은 고딕"/>
+        <a:font script="Hans" typeface="宋体"/>
+        <a:font script="Hant" typeface="新細明體"/>
+        <a:font script="Arab" typeface="Arial"/>
+        <a:font script="Hebr" typeface="Arial"/>
+        <a:font script="Thai" typeface="Cordia New"/>
+        <a:font script="Ethi" typeface="Nyala"/>
+        <a:font script="Beng" typeface="Vrinda"/>
+        <a:font script="Gujr" typeface="Shruti"/>
+        <a:font script="Khmr" typeface="DaunPenh"/>
+        <a:font script="Knda" typeface="Tunga"/>
+        <a:font script="Guru" typeface="Raavi"/>
+        <a:font script="Cans" typeface="Euphemia"/>
+        <a:font script="Cher" typeface="Plantagenet Cherokee"/>
+        <a:font script="Yiii" typeface="Microsoft Yi Baiti"/>
+        <a:font script="Tibt" typeface="Microsoft Himalaya"/>
+        <a:font script="Thaa" typeface="MV Boli"/>
+        <a:font script="Deva" typeface="Mangal"/>
+        <a:font script="Telu" typeface="Gautami"/>
+        <a:font script="Taml" typeface="Latha"/>
+        <a:font script="Syrc" typeface="Estrangelo Edessa"/>
+        <a:font script="Orya" typeface="Kalinga"/>
+        <a:font script="Mlym" typeface="Kartika"/>
+        <a:font script="Laoo" typeface="DokChampa"/>
+        <a:font script="Sinh" typeface="Iskoola Pota"/>
+        <a:font script="Mong" typeface="Mongolian Baiti"/>
+        <a:font script="Viet" typeface="Arial"/>
+        <a:font script="Uigh" typeface="Microsoft Uighur"/>
+        <a:font script="Geor" typeface="Sylfaen"/>
+      </a:minorFont>
+    </a:fontScheme>
+    <a:fmtScheme name="Office">
+      <a:fillStyleLst>
+        <a:solidFill>
+          <a:schemeClr val="phClr"/>
+        </a:solidFill>
+        <a:gradFill rotWithShape="1">
+          <a:gsLst>
+            <a:gs pos="0">
+              <a:schemeClr val="phClr">
+                <a:tint val="50000"/>
+                <a:satMod val="300000"/>
+              </a:schemeClr>
+            </a:gs>
+            <a:gs pos="35000">
+              <a:schemeClr val="phClr">
+                <a:tint val="37000"/>
+                <a:satMod val="300000"/>
+              </a:schemeClr>
+            </a:gs>
+            <a:gs pos="100000">
+              <a:schemeClr val="phClr">
+                <a:tint val="15000"/>
+                <a:satMod val="350000"/>
+              </a:schemeClr>
+            </a:gs>
+          </a:gsLst>
+          <a:lin ang="16200000" scaled="1"/>
+        </a:gradFill>
+        <a:gradFill rotWithShape="1">
+          <a:gsLst>
+            <a:gs pos="0">
+              <a:schemeClr val="phClr">
+                <a:tint val="100000"/>
+                <a:shade val="100000"/>
+                <a:satMod val="130000"/>
+              </a:schemeClr>
+            </a:gs>
+            <a:gs pos="100000">
+              <a:schemeClr val="phClr">
+                <a:tint val="50000"/>
+                <a:shade val="100000"/>
+                <a:satMod val="350000"/>
+              </a:schemeClr>
+            </a:gs>
+          </a:gsLst>
+          <a:lin ang="16200000" scaled="0"/>
+        </a:gradFill>
+      </a:fillStyleLst>
+      <a:lnStyleLst>
+        <a:ln w="9525" cap="flat" cmpd="sng" algn="ctr">
+          <a:solidFill>
+            <a:schemeClr val="phClr">
+              <a:shade val="95000"/>
+              <a:satMod val="105000"/>
+            </a:schemeClr>
+          </a:solidFill>
+          <a:prstDash val="solid"/>
+        </a:ln>
+        <a:ln w="25400" cap="flat" cmpd="sng" algn="ctr">
+          <a:solidFill>
+            <a:schemeClr val="phClr"/>
+          </a:solidFill>
+          <a:prstDash val="solid"/>
+        </a:ln>
+        <a:ln w="38100" cap="flat" cmpd="sng" algn="ctr">
+          <a:solidFill>
+            <a:schemeClr val="phClr"/>
+          </a:solidFill>
+          <a:prstDash val="solid"/>
+        </a:ln>
+      </a:lnStyleLst>
+      <a:effectStyleLst>
+        <a:effectStyle>
+          <a:effectLst>
+            <a:outerShdw blurRad="40000" dist="20000" dir="5400000" rotWithShape="0">
+              <a:srgbClr val="000000">
+                <a:alpha val="38000"/>
+              </a:srgbClr>
+            </a:outerShdw>
+          </a:effectLst>
+        </a:effectStyle>
+        <a:effectStyle>
+          <a:effectLst>
+            <a:outerShdw blurRad="40000" dist="23000" dir="5400000" rotWithShape="0">
+              <a:srgbClr val="000000">
+                <a:alpha val="35000"/>
+              </a:srgbClr>
+            </a:outerShdw>
+          </a:effectLst>
+        </a:effectStyle>
+        <a:effectStyle>
+          <a:effectLst>
+            <a:outerShdw blurRad="40000" dist="23000" dir="5400000" rotWithShape="0">
+              <a:srgbClr val="000000">
+                <a:alpha val="35000"/>
+              </a:srgbClr>
+            </a:outerShdw>
+          </a:effectLst>
+          <a:scene3d>
+            <a:camera prst="orthographicFront">
+              <a:rot lat="0" lon="0" rev="0"/>
+            </a:camera>
+            <a:lightRig rig="threePt" dir="t">
+              <a:rot lat="0" lon="0" rev="1200000"/>
+            </a:lightRig>
+          </a:scene3d>
+          <a:sp3d>
+            <a:bevelT w="63500" h="25400"/>
+          </a:sp3d>
+        </a:effectStyle>
+      </a:effectStyleLst>
+      <a:bgFillStyleLst>
+        <a:solidFill>
+          <a:schemeClr val="phClr"/>
+        </a:solidFill>
+        <a:gradFill rotWithShape="1">
+          <a:gsLst>
+            <a:gs pos="0">
+              <a:schemeClr val="phClr">
+                <a:tint val="40000"/>
+                <a:satMod val="350000"/>
+              </a:schemeClr>
+            </a:gs>
+            <a:gs pos="40000">
+              <a:schemeClr val="phClr">
+                <a:tint val="45000"/>
+                <a:shade val="99000"/>
+                <a:satMod val="350000"/>
+              </a:schemeClr>
+            </a:gs>
+            <a:gs pos="100000">
+              <a:schemeClr val="phClr">
+                <a:shade val="20000"/>
+                <a:satMod val="255000"/>
+              </a:schemeClr>
+            </a:gs>
+          </a:gsLst>
+          <a:path path="circle">
+            <a:fillToRect l="50000" t="-80000" r="50000" b="180000"/>
+          </a:path>
+        </a:gradFill>
+        <a:gradFill rotWithShape="1">
+          <a:gsLst>
+            <a:gs pos="0">
+              <a:schemeClr val="phClr">
+                <a:tint val="80000"/>
+                <a:satMod val="300000"/>
+              </a:schemeClr>
+            </a:gs>
+            <a:gs pos="100000">
+              <a:schemeClr val="phClr">
+                <a:shade val="30000"/>
+                <a:satMod val="200000"/>
+              </a:schemeClr>
+            </a:gs>
+          </a:gsLst>
+          <a:path path="circle">
+            <a:fillToRect l="50000" t="50000" r="50000" b="50000"/>
+          </a:path>
+        </a:gradFill>
+      </a:bgFillStyleLst>
+    </a:fmtScheme>
+  </a:themeElements>
+</a:theme>
+</file>
+
+<file path=ppt/theme/theme2.xml><?xml version="1.0" encoding="utf-8"?>
 <a:theme xmlns:a="http://schemas.openxmlformats.org/drawingml/2006/main" xmlns:r="http://schemas.openxmlformats.org/officeDocument/2006/relationships">
   <a:themeElements>
     <a:clrScheme name="Default">
@@ -18345,7 +18251,7 @@
 </a:theme>
 </file>
 
-<file path=ppt/theme/theme2.xml><?xml version="1.0" encoding="utf-8"?>
+<file path=ppt/theme/theme3.xml><?xml version="1.0" encoding="utf-8"?>
 <a:theme xmlns:a="http://schemas.openxmlformats.org/drawingml/2006/main" xmlns:r="http://schemas.openxmlformats.org/officeDocument/2006/relationships" name="Simple Light">
   <a:themeElements>
     <a:clrScheme name="Simple Light">
@@ -18622,283 +18528,4 @@
     </a:fmtScheme>
   </a:themeElements>
 </a:theme>
-</file>
-
-<file path=ppt/theme/theme3.xml><?xml version="1.0" encoding="utf-8"?>
-<a:theme xmlns:a="http://schemas.openxmlformats.org/drawingml/2006/main" xmlns:r="http://schemas.openxmlformats.org/officeDocument/2006/relationships" name="Office Theme">
-  <a:themeElements>
-    <a:clrScheme name="UW-Madison 2">
-      <a:dk1>
-        <a:srgbClr val="202020"/>
-      </a:dk1>
-      <a:lt1>
-        <a:srgbClr val="FFFFFF"/>
-      </a:lt1>
-      <a:dk2>
-        <a:srgbClr val="101010"/>
-      </a:dk2>
-      <a:lt2>
-        <a:srgbClr val="DADFE1"/>
-      </a:lt2>
-      <a:accent1>
-        <a:srgbClr val="C5050C"/>
-      </a:accent1>
-      <a:accent2>
-        <a:srgbClr val="8DD3CE"/>
-      </a:accent2>
-      <a:accent3>
-        <a:srgbClr val="FCCB51"/>
-      </a:accent3>
-      <a:accent4>
-        <a:srgbClr val="ADADAD"/>
-      </a:accent4>
-      <a:accent5>
-        <a:srgbClr val="006992"/>
-      </a:accent5>
-      <a:accent6>
-        <a:srgbClr val="432E4F"/>
-      </a:accent6>
-      <a:hlink>
-        <a:srgbClr val="0479A8"/>
-      </a:hlink>
-      <a:folHlink>
-        <a:srgbClr val="0479A8"/>
-      </a:folHlink>
-    </a:clrScheme>
-    <a:fontScheme name="Office">
-      <a:majorFont>
-        <a:latin typeface="Arial"/>
-        <a:ea typeface=""/>
-        <a:cs typeface=""/>
-        <a:font script="Jpan" typeface="ＭＳ Ｐゴシック"/>
-        <a:font script="Hang" typeface="맑은 고딕"/>
-        <a:font script="Hans" typeface="宋体"/>
-        <a:font script="Hant" typeface="新細明體"/>
-        <a:font script="Arab" typeface="Times New Roman"/>
-        <a:font script="Hebr" typeface="Times New Roman"/>
-        <a:font script="Thai" typeface="Angsana New"/>
-        <a:font script="Ethi" typeface="Nyala"/>
-        <a:font script="Beng" typeface="Vrinda"/>
-        <a:font script="Gujr" typeface="Shruti"/>
-        <a:font script="Khmr" typeface="MoolBoran"/>
-        <a:font script="Knda" typeface="Tunga"/>
-        <a:font script="Guru" typeface="Raavi"/>
-        <a:font script="Cans" typeface="Euphemia"/>
-        <a:font script="Cher" typeface="Plantagenet Cherokee"/>
-        <a:font script="Yiii" typeface="Microsoft Yi Baiti"/>
-        <a:font script="Tibt" typeface="Microsoft Himalaya"/>
-        <a:font script="Thaa" typeface="MV Boli"/>
-        <a:font script="Deva" typeface="Mangal"/>
-        <a:font script="Telu" typeface="Gautami"/>
-        <a:font script="Taml" typeface="Latha"/>
-        <a:font script="Syrc" typeface="Estrangelo Edessa"/>
-        <a:font script="Orya" typeface="Kalinga"/>
-        <a:font script="Mlym" typeface="Kartika"/>
-        <a:font script="Laoo" typeface="DokChampa"/>
-        <a:font script="Sinh" typeface="Iskoola Pota"/>
-        <a:font script="Mong" typeface="Mongolian Baiti"/>
-        <a:font script="Viet" typeface="Times New Roman"/>
-        <a:font script="Uigh" typeface="Microsoft Uighur"/>
-        <a:font script="Geor" typeface="Sylfaen"/>
-      </a:majorFont>
-      <a:minorFont>
-        <a:latin typeface="Arial"/>
-        <a:ea typeface=""/>
-        <a:cs typeface=""/>
-        <a:font script="Jpan" typeface="ＭＳ Ｐゴシック"/>
-        <a:font script="Hang" typeface="맑은 고딕"/>
-        <a:font script="Hans" typeface="宋体"/>
-        <a:font script="Hant" typeface="新細明體"/>
-        <a:font script="Arab" typeface="Arial"/>
-        <a:font script="Hebr" typeface="Arial"/>
-        <a:font script="Thai" typeface="Cordia New"/>
-        <a:font script="Ethi" typeface="Nyala"/>
-        <a:font script="Beng" typeface="Vrinda"/>
-        <a:font script="Gujr" typeface="Shruti"/>
-        <a:font script="Khmr" typeface="DaunPenh"/>
-        <a:font script="Knda" typeface="Tunga"/>
-        <a:font script="Guru" typeface="Raavi"/>
-        <a:font script="Cans" typeface="Euphemia"/>
-        <a:font script="Cher" typeface="Plantagenet Cherokee"/>
-        <a:font script="Yiii" typeface="Microsoft Yi Baiti"/>
-        <a:font script="Tibt" typeface="Microsoft Himalaya"/>
-        <a:font script="Thaa" typeface="MV Boli"/>
-        <a:font script="Deva" typeface="Mangal"/>
-        <a:font script="Telu" typeface="Gautami"/>
-        <a:font script="Taml" typeface="Latha"/>
-        <a:font script="Syrc" typeface="Estrangelo Edessa"/>
-        <a:font script="Orya" typeface="Kalinga"/>
-        <a:font script="Mlym" typeface="Kartika"/>
-        <a:font script="Laoo" typeface="DokChampa"/>
-        <a:font script="Sinh" typeface="Iskoola Pota"/>
-        <a:font script="Mong" typeface="Mongolian Baiti"/>
-        <a:font script="Viet" typeface="Arial"/>
-        <a:font script="Uigh" typeface="Microsoft Uighur"/>
-        <a:font script="Geor" typeface="Sylfaen"/>
-      </a:minorFont>
-    </a:fontScheme>
-    <a:fmtScheme name="Office">
-      <a:fillStyleLst>
-        <a:solidFill>
-          <a:schemeClr val="phClr"/>
-        </a:solidFill>
-        <a:gradFill rotWithShape="1">
-          <a:gsLst>
-            <a:gs pos="0">
-              <a:schemeClr val="phClr">
-                <a:tint val="50000"/>
-                <a:satMod val="300000"/>
-              </a:schemeClr>
-            </a:gs>
-            <a:gs pos="35000">
-              <a:schemeClr val="phClr">
-                <a:tint val="37000"/>
-                <a:satMod val="300000"/>
-              </a:schemeClr>
-            </a:gs>
-            <a:gs pos="100000">
-              <a:schemeClr val="phClr">
-                <a:tint val="15000"/>
-                <a:satMod val="350000"/>
-              </a:schemeClr>
-            </a:gs>
-          </a:gsLst>
-          <a:lin ang="16200000" scaled="1"/>
-        </a:gradFill>
-        <a:gradFill rotWithShape="1">
-          <a:gsLst>
-            <a:gs pos="0">
-              <a:schemeClr val="phClr">
-                <a:tint val="100000"/>
-                <a:shade val="100000"/>
-                <a:satMod val="130000"/>
-              </a:schemeClr>
-            </a:gs>
-            <a:gs pos="100000">
-              <a:schemeClr val="phClr">
-                <a:tint val="50000"/>
-                <a:shade val="100000"/>
-                <a:satMod val="350000"/>
-              </a:schemeClr>
-            </a:gs>
-          </a:gsLst>
-          <a:lin ang="16200000" scaled="0"/>
-        </a:gradFill>
-      </a:fillStyleLst>
-      <a:lnStyleLst>
-        <a:ln w="9525" cap="flat" cmpd="sng" algn="ctr">
-          <a:solidFill>
-            <a:schemeClr val="phClr">
-              <a:shade val="95000"/>
-              <a:satMod val="105000"/>
-            </a:schemeClr>
-          </a:solidFill>
-          <a:prstDash val="solid"/>
-        </a:ln>
-        <a:ln w="25400" cap="flat" cmpd="sng" algn="ctr">
-          <a:solidFill>
-            <a:schemeClr val="phClr"/>
-          </a:solidFill>
-          <a:prstDash val="solid"/>
-        </a:ln>
-        <a:ln w="38100" cap="flat" cmpd="sng" algn="ctr">
-          <a:solidFill>
-            <a:schemeClr val="phClr"/>
-          </a:solidFill>
-          <a:prstDash val="solid"/>
-        </a:ln>
-      </a:lnStyleLst>
-      <a:effectStyleLst>
-        <a:effectStyle>
-          <a:effectLst>
-            <a:outerShdw blurRad="40000" dist="20000" dir="5400000" rotWithShape="0">
-              <a:srgbClr val="000000">
-                <a:alpha val="38000"/>
-              </a:srgbClr>
-            </a:outerShdw>
-          </a:effectLst>
-        </a:effectStyle>
-        <a:effectStyle>
-          <a:effectLst>
-            <a:outerShdw blurRad="40000" dist="23000" dir="5400000" rotWithShape="0">
-              <a:srgbClr val="000000">
-                <a:alpha val="35000"/>
-              </a:srgbClr>
-            </a:outerShdw>
-          </a:effectLst>
-        </a:effectStyle>
-        <a:effectStyle>
-          <a:effectLst>
-            <a:outerShdw blurRad="40000" dist="23000" dir="5400000" rotWithShape="0">
-              <a:srgbClr val="000000">
-                <a:alpha val="35000"/>
-              </a:srgbClr>
-            </a:outerShdw>
-          </a:effectLst>
-          <a:scene3d>
-            <a:camera prst="orthographicFront">
-              <a:rot lat="0" lon="0" rev="0"/>
-            </a:camera>
-            <a:lightRig rig="threePt" dir="t">
-              <a:rot lat="0" lon="0" rev="1200000"/>
-            </a:lightRig>
-          </a:scene3d>
-          <a:sp3d>
-            <a:bevelT w="63500" h="25400"/>
-          </a:sp3d>
-        </a:effectStyle>
-      </a:effectStyleLst>
-      <a:bgFillStyleLst>
-        <a:solidFill>
-          <a:schemeClr val="phClr"/>
-        </a:solidFill>
-        <a:gradFill rotWithShape="1">
-          <a:gsLst>
-            <a:gs pos="0">
-              <a:schemeClr val="phClr">
-                <a:tint val="40000"/>
-                <a:satMod val="350000"/>
-              </a:schemeClr>
-            </a:gs>
-            <a:gs pos="40000">
-              <a:schemeClr val="phClr">
-                <a:tint val="45000"/>
-                <a:shade val="99000"/>
-                <a:satMod val="350000"/>
-              </a:schemeClr>
-            </a:gs>
-            <a:gs pos="100000">
-              <a:schemeClr val="phClr">
-                <a:shade val="20000"/>
-                <a:satMod val="255000"/>
-              </a:schemeClr>
-            </a:gs>
-          </a:gsLst>
-          <a:path path="circle">
-            <a:fillToRect l="50000" t="-80000" r="50000" b="180000"/>
-          </a:path>
-        </a:gradFill>
-        <a:gradFill rotWithShape="1">
-          <a:gsLst>
-            <a:gs pos="0">
-              <a:schemeClr val="phClr">
-                <a:tint val="80000"/>
-                <a:satMod val="300000"/>
-              </a:schemeClr>
-            </a:gs>
-            <a:gs pos="100000">
-              <a:schemeClr val="phClr">
-                <a:shade val="30000"/>
-                <a:satMod val="200000"/>
-              </a:schemeClr>
-            </a:gs>
-          </a:gsLst>
-          <a:path path="circle">
-            <a:fillToRect l="50000" t="50000" r="50000" b="50000"/>
-          </a:path>
-        </a:gradFill>
-      </a:bgFillStyleLst>
-    </a:fmtScheme>
-  </a:themeElements>
-</a:theme>
 </file>